--- a/ppt 16-9/1111.主啊！我算什.pptx
+++ b/ppt 16-9/1111.主啊！我算什.pptx
@@ -129,7 +129,7 @@
           <p:cNvPr id="2" name="标题 1">
             <a:extLst>
               <a:ext uri="{FF2B5EF4-FFF2-40B4-BE49-F238E27FC236}">
-                <a16:creationId xmlns:a16="http://schemas.microsoft.com/office/drawing/2014/main" id="{EDD6E961-C705-D0CC-B0F7-13AFF3A0ED3F}"/>
+                <a16:creationId xmlns:a16="http://schemas.microsoft.com/office/drawing/2014/main" id="{97F74F85-3155-1CC4-1E76-167FE6246107}"/>
               </a:ext>
             </a:extLst>
           </p:cNvPr>
@@ -166,7 +166,7 @@
           <p:cNvPr id="3" name="副标题 2">
             <a:extLst>
               <a:ext uri="{FF2B5EF4-FFF2-40B4-BE49-F238E27FC236}">
-                <a16:creationId xmlns:a16="http://schemas.microsoft.com/office/drawing/2014/main" id="{20D57F08-9424-223F-B743-870EB146AF8E}"/>
+                <a16:creationId xmlns:a16="http://schemas.microsoft.com/office/drawing/2014/main" id="{D99D5009-649D-96CC-1E59-D726A1A94BE9}"/>
               </a:ext>
             </a:extLst>
           </p:cNvPr>
@@ -236,7 +236,7 @@
           <p:cNvPr id="4" name="日期占位符 3">
             <a:extLst>
               <a:ext uri="{FF2B5EF4-FFF2-40B4-BE49-F238E27FC236}">
-                <a16:creationId xmlns:a16="http://schemas.microsoft.com/office/drawing/2014/main" id="{7929C072-F9AE-AA98-AD47-AB7DF2624650}"/>
+                <a16:creationId xmlns:a16="http://schemas.microsoft.com/office/drawing/2014/main" id="{E73705AF-F32C-0761-6FF2-8E044A639B37}"/>
               </a:ext>
             </a:extLst>
           </p:cNvPr>
@@ -252,7 +252,7 @@
           <a:bodyPr/>
           <a:lstStyle/>
           <a:p>
-            <a:fld id="{C22708E2-6C81-4FCE-9B1D-068307ABBA38}" type="datetimeFigureOut">
+            <a:fld id="{5DA19C76-FA4B-479B-968A-E0310F4781AF}" type="datetimeFigureOut">
               <a:rPr lang="zh-CN" altLang="en-US" smtClean="0"/>
               <a:t>2024/3/10</a:t>
             </a:fld>
@@ -265,7 +265,7 @@
           <p:cNvPr id="5" name="页脚占位符 4">
             <a:extLst>
               <a:ext uri="{FF2B5EF4-FFF2-40B4-BE49-F238E27FC236}">
-                <a16:creationId xmlns:a16="http://schemas.microsoft.com/office/drawing/2014/main" id="{FE7153EC-F0DB-1BDF-CCFB-1F404CC5E763}"/>
+                <a16:creationId xmlns:a16="http://schemas.microsoft.com/office/drawing/2014/main" id="{228B53DA-A5C3-5CB4-420E-AC36F7816A41}"/>
               </a:ext>
             </a:extLst>
           </p:cNvPr>
@@ -290,7 +290,7 @@
           <p:cNvPr id="6" name="灯片编号占位符 5">
             <a:extLst>
               <a:ext uri="{FF2B5EF4-FFF2-40B4-BE49-F238E27FC236}">
-                <a16:creationId xmlns:a16="http://schemas.microsoft.com/office/drawing/2014/main" id="{4AA784EB-5976-2279-AF0E-1097C751E365}"/>
+                <a16:creationId xmlns:a16="http://schemas.microsoft.com/office/drawing/2014/main" id="{66243299-8917-98F4-F942-661D4EA2BC3F}"/>
               </a:ext>
             </a:extLst>
           </p:cNvPr>
@@ -306,7 +306,7 @@
           <a:bodyPr/>
           <a:lstStyle/>
           <a:p>
-            <a:fld id="{D021D3D4-CDD7-485D-AD9A-9F98EEB62252}" type="slidenum">
+            <a:fld id="{2B09F79B-7441-471F-A016-8052DB77673C}" type="slidenum">
               <a:rPr lang="zh-CN" altLang="en-US" smtClean="0"/>
               <a:t>‹#›</a:t>
             </a:fld>
@@ -317,7 +317,7 @@
     </p:spTree>
     <p:extLst>
       <p:ext uri="{BB962C8B-B14F-4D97-AF65-F5344CB8AC3E}">
-        <p14:creationId xmlns:p14="http://schemas.microsoft.com/office/powerpoint/2010/main" val="1065619946"/>
+        <p14:creationId xmlns:p14="http://schemas.microsoft.com/office/powerpoint/2010/main" val="1607742321"/>
       </p:ext>
     </p:extLst>
   </p:cSld>
@@ -349,7 +349,7 @@
           <p:cNvPr id="2" name="标题 1">
             <a:extLst>
               <a:ext uri="{FF2B5EF4-FFF2-40B4-BE49-F238E27FC236}">
-                <a16:creationId xmlns:a16="http://schemas.microsoft.com/office/drawing/2014/main" id="{E073EFE4-744F-7A1E-8968-A556C9863162}"/>
+                <a16:creationId xmlns:a16="http://schemas.microsoft.com/office/drawing/2014/main" id="{81EBEB21-90B4-5C9B-133B-060F96D62752}"/>
               </a:ext>
             </a:extLst>
           </p:cNvPr>
@@ -377,7 +377,7 @@
           <p:cNvPr id="3" name="竖排文字占位符 2">
             <a:extLst>
               <a:ext uri="{FF2B5EF4-FFF2-40B4-BE49-F238E27FC236}">
-                <a16:creationId xmlns:a16="http://schemas.microsoft.com/office/drawing/2014/main" id="{B33F40E0-0363-447E-B7CC-523DEA9A0657}"/>
+                <a16:creationId xmlns:a16="http://schemas.microsoft.com/office/drawing/2014/main" id="{3033DE1C-D3FB-21AD-2345-280CDEDA3FCF}"/>
               </a:ext>
             </a:extLst>
           </p:cNvPr>
@@ -434,7 +434,7 @@
           <p:cNvPr id="4" name="日期占位符 3">
             <a:extLst>
               <a:ext uri="{FF2B5EF4-FFF2-40B4-BE49-F238E27FC236}">
-                <a16:creationId xmlns:a16="http://schemas.microsoft.com/office/drawing/2014/main" id="{5114B8AA-F75F-37C9-EB76-2CC0F186985D}"/>
+                <a16:creationId xmlns:a16="http://schemas.microsoft.com/office/drawing/2014/main" id="{354B415B-C64C-F653-2C7F-7672C8E8D0BE}"/>
               </a:ext>
             </a:extLst>
           </p:cNvPr>
@@ -450,7 +450,7 @@
           <a:bodyPr/>
           <a:lstStyle/>
           <a:p>
-            <a:fld id="{C22708E2-6C81-4FCE-9B1D-068307ABBA38}" type="datetimeFigureOut">
+            <a:fld id="{5DA19C76-FA4B-479B-968A-E0310F4781AF}" type="datetimeFigureOut">
               <a:rPr lang="zh-CN" altLang="en-US" smtClean="0"/>
               <a:t>2024/3/10</a:t>
             </a:fld>
@@ -463,7 +463,7 @@
           <p:cNvPr id="5" name="页脚占位符 4">
             <a:extLst>
               <a:ext uri="{FF2B5EF4-FFF2-40B4-BE49-F238E27FC236}">
-                <a16:creationId xmlns:a16="http://schemas.microsoft.com/office/drawing/2014/main" id="{08E051A1-2BF6-EF0D-FBCC-83FFA736FCCA}"/>
+                <a16:creationId xmlns:a16="http://schemas.microsoft.com/office/drawing/2014/main" id="{810902E8-BF7C-C026-C9DB-E5403670D1D9}"/>
               </a:ext>
             </a:extLst>
           </p:cNvPr>
@@ -488,7 +488,7 @@
           <p:cNvPr id="6" name="灯片编号占位符 5">
             <a:extLst>
               <a:ext uri="{FF2B5EF4-FFF2-40B4-BE49-F238E27FC236}">
-                <a16:creationId xmlns:a16="http://schemas.microsoft.com/office/drawing/2014/main" id="{605FB9FD-DB28-97FA-7061-1D9EA97FCA07}"/>
+                <a16:creationId xmlns:a16="http://schemas.microsoft.com/office/drawing/2014/main" id="{ADB2042E-D8BD-19D8-654F-2A1AE6514AB9}"/>
               </a:ext>
             </a:extLst>
           </p:cNvPr>
@@ -504,7 +504,7 @@
           <a:bodyPr/>
           <a:lstStyle/>
           <a:p>
-            <a:fld id="{D021D3D4-CDD7-485D-AD9A-9F98EEB62252}" type="slidenum">
+            <a:fld id="{2B09F79B-7441-471F-A016-8052DB77673C}" type="slidenum">
               <a:rPr lang="zh-CN" altLang="en-US" smtClean="0"/>
               <a:t>‹#›</a:t>
             </a:fld>
@@ -515,7 +515,7 @@
     </p:spTree>
     <p:extLst>
       <p:ext uri="{BB962C8B-B14F-4D97-AF65-F5344CB8AC3E}">
-        <p14:creationId xmlns:p14="http://schemas.microsoft.com/office/powerpoint/2010/main" val="411119697"/>
+        <p14:creationId xmlns:p14="http://schemas.microsoft.com/office/powerpoint/2010/main" val="1195567057"/>
       </p:ext>
     </p:extLst>
   </p:cSld>
@@ -547,7 +547,7 @@
           <p:cNvPr id="2" name="竖排标题 1">
             <a:extLst>
               <a:ext uri="{FF2B5EF4-FFF2-40B4-BE49-F238E27FC236}">
-                <a16:creationId xmlns:a16="http://schemas.microsoft.com/office/drawing/2014/main" id="{3EBA7618-D484-515D-D3F7-0C32D0D73FDF}"/>
+                <a16:creationId xmlns:a16="http://schemas.microsoft.com/office/drawing/2014/main" id="{B8EE8891-D20F-63F4-7DC2-0E3312FC7D80}"/>
               </a:ext>
             </a:extLst>
           </p:cNvPr>
@@ -580,7 +580,7 @@
           <p:cNvPr id="3" name="竖排文字占位符 2">
             <a:extLst>
               <a:ext uri="{FF2B5EF4-FFF2-40B4-BE49-F238E27FC236}">
-                <a16:creationId xmlns:a16="http://schemas.microsoft.com/office/drawing/2014/main" id="{3213C7C6-B032-4B09-85F5-8691DC4BD2B4}"/>
+                <a16:creationId xmlns:a16="http://schemas.microsoft.com/office/drawing/2014/main" id="{D546FFA3-EC58-29CC-EF2E-EFC746CD1344}"/>
               </a:ext>
             </a:extLst>
           </p:cNvPr>
@@ -642,7 +642,7 @@
           <p:cNvPr id="4" name="日期占位符 3">
             <a:extLst>
               <a:ext uri="{FF2B5EF4-FFF2-40B4-BE49-F238E27FC236}">
-                <a16:creationId xmlns:a16="http://schemas.microsoft.com/office/drawing/2014/main" id="{57BCA9B2-D0E1-3975-950C-3B1DE3B423DA}"/>
+                <a16:creationId xmlns:a16="http://schemas.microsoft.com/office/drawing/2014/main" id="{4EF45D91-BF98-74F3-1109-39C9EE0602CA}"/>
               </a:ext>
             </a:extLst>
           </p:cNvPr>
@@ -658,7 +658,7 @@
           <a:bodyPr/>
           <a:lstStyle/>
           <a:p>
-            <a:fld id="{C22708E2-6C81-4FCE-9B1D-068307ABBA38}" type="datetimeFigureOut">
+            <a:fld id="{5DA19C76-FA4B-479B-968A-E0310F4781AF}" type="datetimeFigureOut">
               <a:rPr lang="zh-CN" altLang="en-US" smtClean="0"/>
               <a:t>2024/3/10</a:t>
             </a:fld>
@@ -671,7 +671,7 @@
           <p:cNvPr id="5" name="页脚占位符 4">
             <a:extLst>
               <a:ext uri="{FF2B5EF4-FFF2-40B4-BE49-F238E27FC236}">
-                <a16:creationId xmlns:a16="http://schemas.microsoft.com/office/drawing/2014/main" id="{44F7DAB8-697A-AE6C-38E7-19B2B32240CB}"/>
+                <a16:creationId xmlns:a16="http://schemas.microsoft.com/office/drawing/2014/main" id="{BCC88A4F-8BC0-423B-A49C-F512AC260DEC}"/>
               </a:ext>
             </a:extLst>
           </p:cNvPr>
@@ -696,7 +696,7 @@
           <p:cNvPr id="6" name="灯片编号占位符 5">
             <a:extLst>
               <a:ext uri="{FF2B5EF4-FFF2-40B4-BE49-F238E27FC236}">
-                <a16:creationId xmlns:a16="http://schemas.microsoft.com/office/drawing/2014/main" id="{1D742559-904F-F7CA-5F23-07363A7050BF}"/>
+                <a16:creationId xmlns:a16="http://schemas.microsoft.com/office/drawing/2014/main" id="{1951D435-1907-654E-1F92-CE4B1AF85E37}"/>
               </a:ext>
             </a:extLst>
           </p:cNvPr>
@@ -712,7 +712,7 @@
           <a:bodyPr/>
           <a:lstStyle/>
           <a:p>
-            <a:fld id="{D021D3D4-CDD7-485D-AD9A-9F98EEB62252}" type="slidenum">
+            <a:fld id="{2B09F79B-7441-471F-A016-8052DB77673C}" type="slidenum">
               <a:rPr lang="zh-CN" altLang="en-US" smtClean="0"/>
               <a:t>‹#›</a:t>
             </a:fld>
@@ -723,7 +723,7 @@
     </p:spTree>
     <p:extLst>
       <p:ext uri="{BB962C8B-B14F-4D97-AF65-F5344CB8AC3E}">
-        <p14:creationId xmlns:p14="http://schemas.microsoft.com/office/powerpoint/2010/main" val="2920772392"/>
+        <p14:creationId xmlns:p14="http://schemas.microsoft.com/office/powerpoint/2010/main" val="719930228"/>
       </p:ext>
     </p:extLst>
   </p:cSld>
@@ -755,7 +755,7 @@
           <p:cNvPr id="2" name="标题 1">
             <a:extLst>
               <a:ext uri="{FF2B5EF4-FFF2-40B4-BE49-F238E27FC236}">
-                <a16:creationId xmlns:a16="http://schemas.microsoft.com/office/drawing/2014/main" id="{A95EE3F8-81B1-BFBE-1EF8-C266738FE9FF}"/>
+                <a16:creationId xmlns:a16="http://schemas.microsoft.com/office/drawing/2014/main" id="{DF45FF1B-51C8-5BFC-539C-AE7A367B95E8}"/>
               </a:ext>
             </a:extLst>
           </p:cNvPr>
@@ -783,7 +783,7 @@
           <p:cNvPr id="3" name="内容占位符 2">
             <a:extLst>
               <a:ext uri="{FF2B5EF4-FFF2-40B4-BE49-F238E27FC236}">
-                <a16:creationId xmlns:a16="http://schemas.microsoft.com/office/drawing/2014/main" id="{40B77180-BF1B-F88D-9080-A35629BA6C65}"/>
+                <a16:creationId xmlns:a16="http://schemas.microsoft.com/office/drawing/2014/main" id="{E7A22AF5-D2D3-BD4A-E69B-D75E66AC886C}"/>
               </a:ext>
             </a:extLst>
           </p:cNvPr>
@@ -840,7 +840,7 @@
           <p:cNvPr id="4" name="日期占位符 3">
             <a:extLst>
               <a:ext uri="{FF2B5EF4-FFF2-40B4-BE49-F238E27FC236}">
-                <a16:creationId xmlns:a16="http://schemas.microsoft.com/office/drawing/2014/main" id="{9410E04C-A656-F0FD-75AB-F174BE94D379}"/>
+                <a16:creationId xmlns:a16="http://schemas.microsoft.com/office/drawing/2014/main" id="{719C221D-C68C-6E4C-D6AF-990CB0CC7CB2}"/>
               </a:ext>
             </a:extLst>
           </p:cNvPr>
@@ -856,7 +856,7 @@
           <a:bodyPr/>
           <a:lstStyle/>
           <a:p>
-            <a:fld id="{C22708E2-6C81-4FCE-9B1D-068307ABBA38}" type="datetimeFigureOut">
+            <a:fld id="{5DA19C76-FA4B-479B-968A-E0310F4781AF}" type="datetimeFigureOut">
               <a:rPr lang="zh-CN" altLang="en-US" smtClean="0"/>
               <a:t>2024/3/10</a:t>
             </a:fld>
@@ -869,7 +869,7 @@
           <p:cNvPr id="5" name="页脚占位符 4">
             <a:extLst>
               <a:ext uri="{FF2B5EF4-FFF2-40B4-BE49-F238E27FC236}">
-                <a16:creationId xmlns:a16="http://schemas.microsoft.com/office/drawing/2014/main" id="{A3FA8E40-0693-8BC8-3F63-CC09E0BAE33A}"/>
+                <a16:creationId xmlns:a16="http://schemas.microsoft.com/office/drawing/2014/main" id="{E35BD2B5-0FFC-DA7C-7A58-E0BAC21F86A9}"/>
               </a:ext>
             </a:extLst>
           </p:cNvPr>
@@ -894,7 +894,7 @@
           <p:cNvPr id="6" name="灯片编号占位符 5">
             <a:extLst>
               <a:ext uri="{FF2B5EF4-FFF2-40B4-BE49-F238E27FC236}">
-                <a16:creationId xmlns:a16="http://schemas.microsoft.com/office/drawing/2014/main" id="{F8BED5D4-77AD-7738-9028-68F1A58D7284}"/>
+                <a16:creationId xmlns:a16="http://schemas.microsoft.com/office/drawing/2014/main" id="{E03D8C16-4C79-FA91-40BB-F0C7D86E4E40}"/>
               </a:ext>
             </a:extLst>
           </p:cNvPr>
@@ -910,7 +910,7 @@
           <a:bodyPr/>
           <a:lstStyle/>
           <a:p>
-            <a:fld id="{D021D3D4-CDD7-485D-AD9A-9F98EEB62252}" type="slidenum">
+            <a:fld id="{2B09F79B-7441-471F-A016-8052DB77673C}" type="slidenum">
               <a:rPr lang="zh-CN" altLang="en-US" smtClean="0"/>
               <a:t>‹#›</a:t>
             </a:fld>
@@ -921,7 +921,7 @@
     </p:spTree>
     <p:extLst>
       <p:ext uri="{BB962C8B-B14F-4D97-AF65-F5344CB8AC3E}">
-        <p14:creationId xmlns:p14="http://schemas.microsoft.com/office/powerpoint/2010/main" val="2338841774"/>
+        <p14:creationId xmlns:p14="http://schemas.microsoft.com/office/powerpoint/2010/main" val="2315376134"/>
       </p:ext>
     </p:extLst>
   </p:cSld>
@@ -953,7 +953,7 @@
           <p:cNvPr id="2" name="标题 1">
             <a:extLst>
               <a:ext uri="{FF2B5EF4-FFF2-40B4-BE49-F238E27FC236}">
-                <a16:creationId xmlns:a16="http://schemas.microsoft.com/office/drawing/2014/main" id="{4118784A-5471-3852-21F4-B30AF1263970}"/>
+                <a16:creationId xmlns:a16="http://schemas.microsoft.com/office/drawing/2014/main" id="{51E2D2CA-9A08-B70A-C122-AA7C3BE6FE63}"/>
               </a:ext>
             </a:extLst>
           </p:cNvPr>
@@ -990,7 +990,7 @@
           <p:cNvPr id="3" name="文本占位符 2">
             <a:extLst>
               <a:ext uri="{FF2B5EF4-FFF2-40B4-BE49-F238E27FC236}">
-                <a16:creationId xmlns:a16="http://schemas.microsoft.com/office/drawing/2014/main" id="{F52E138B-323A-7403-884C-5591652126B7}"/>
+                <a16:creationId xmlns:a16="http://schemas.microsoft.com/office/drawing/2014/main" id="{601BC522-44B2-FBE8-9C6E-4D1755D8144B}"/>
               </a:ext>
             </a:extLst>
           </p:cNvPr>
@@ -1115,7 +1115,7 @@
           <p:cNvPr id="4" name="日期占位符 3">
             <a:extLst>
               <a:ext uri="{FF2B5EF4-FFF2-40B4-BE49-F238E27FC236}">
-                <a16:creationId xmlns:a16="http://schemas.microsoft.com/office/drawing/2014/main" id="{DBBE48B8-4DF5-1361-8F1F-54238D908ACA}"/>
+                <a16:creationId xmlns:a16="http://schemas.microsoft.com/office/drawing/2014/main" id="{8736DEA7-BC30-3448-B3DF-E6458ED422E6}"/>
               </a:ext>
             </a:extLst>
           </p:cNvPr>
@@ -1131,7 +1131,7 @@
           <a:bodyPr/>
           <a:lstStyle/>
           <a:p>
-            <a:fld id="{C22708E2-6C81-4FCE-9B1D-068307ABBA38}" type="datetimeFigureOut">
+            <a:fld id="{5DA19C76-FA4B-479B-968A-E0310F4781AF}" type="datetimeFigureOut">
               <a:rPr lang="zh-CN" altLang="en-US" smtClean="0"/>
               <a:t>2024/3/10</a:t>
             </a:fld>
@@ -1144,7 +1144,7 @@
           <p:cNvPr id="5" name="页脚占位符 4">
             <a:extLst>
               <a:ext uri="{FF2B5EF4-FFF2-40B4-BE49-F238E27FC236}">
-                <a16:creationId xmlns:a16="http://schemas.microsoft.com/office/drawing/2014/main" id="{0B40E5FD-E666-E53E-8A57-A3DCD7CCDA9B}"/>
+                <a16:creationId xmlns:a16="http://schemas.microsoft.com/office/drawing/2014/main" id="{DFAF4FFB-4A36-D695-E6E1-1AC552BF445B}"/>
               </a:ext>
             </a:extLst>
           </p:cNvPr>
@@ -1169,7 +1169,7 @@
           <p:cNvPr id="6" name="灯片编号占位符 5">
             <a:extLst>
               <a:ext uri="{FF2B5EF4-FFF2-40B4-BE49-F238E27FC236}">
-                <a16:creationId xmlns:a16="http://schemas.microsoft.com/office/drawing/2014/main" id="{3A6BF29E-F2E0-BF8E-7327-C1FA7A8B183F}"/>
+                <a16:creationId xmlns:a16="http://schemas.microsoft.com/office/drawing/2014/main" id="{DC615E9D-D7BF-769B-A5F6-EDEE68159CF1}"/>
               </a:ext>
             </a:extLst>
           </p:cNvPr>
@@ -1185,7 +1185,7 @@
           <a:bodyPr/>
           <a:lstStyle/>
           <a:p>
-            <a:fld id="{D021D3D4-CDD7-485D-AD9A-9F98EEB62252}" type="slidenum">
+            <a:fld id="{2B09F79B-7441-471F-A016-8052DB77673C}" type="slidenum">
               <a:rPr lang="zh-CN" altLang="en-US" smtClean="0"/>
               <a:t>‹#›</a:t>
             </a:fld>
@@ -1196,7 +1196,7 @@
     </p:spTree>
     <p:extLst>
       <p:ext uri="{BB962C8B-B14F-4D97-AF65-F5344CB8AC3E}">
-        <p14:creationId xmlns:p14="http://schemas.microsoft.com/office/powerpoint/2010/main" val="1614525612"/>
+        <p14:creationId xmlns:p14="http://schemas.microsoft.com/office/powerpoint/2010/main" val="2476781164"/>
       </p:ext>
     </p:extLst>
   </p:cSld>
@@ -1228,7 +1228,7 @@
           <p:cNvPr id="2" name="标题 1">
             <a:extLst>
               <a:ext uri="{FF2B5EF4-FFF2-40B4-BE49-F238E27FC236}">
-                <a16:creationId xmlns:a16="http://schemas.microsoft.com/office/drawing/2014/main" id="{28180C7F-1BA2-1AC5-3AA5-E0096492D2FE}"/>
+                <a16:creationId xmlns:a16="http://schemas.microsoft.com/office/drawing/2014/main" id="{6ABF4FDA-EC63-5CC4-4C9F-2A109884F006}"/>
               </a:ext>
             </a:extLst>
           </p:cNvPr>
@@ -1256,7 +1256,7 @@
           <p:cNvPr id="3" name="内容占位符 2">
             <a:extLst>
               <a:ext uri="{FF2B5EF4-FFF2-40B4-BE49-F238E27FC236}">
-                <a16:creationId xmlns:a16="http://schemas.microsoft.com/office/drawing/2014/main" id="{213E23EC-182E-4DC5-B2CB-8F9EC25B8B57}"/>
+                <a16:creationId xmlns:a16="http://schemas.microsoft.com/office/drawing/2014/main" id="{162D1ADB-6C65-4BD6-F33C-B2D09D111217}"/>
               </a:ext>
             </a:extLst>
           </p:cNvPr>
@@ -1318,7 +1318,7 @@
           <p:cNvPr id="4" name="内容占位符 3">
             <a:extLst>
               <a:ext uri="{FF2B5EF4-FFF2-40B4-BE49-F238E27FC236}">
-                <a16:creationId xmlns:a16="http://schemas.microsoft.com/office/drawing/2014/main" id="{97D261E0-7670-BDF9-9379-BE89EF05A500}"/>
+                <a16:creationId xmlns:a16="http://schemas.microsoft.com/office/drawing/2014/main" id="{9DB9608F-4BE1-D899-9438-3A45F9F08508}"/>
               </a:ext>
             </a:extLst>
           </p:cNvPr>
@@ -1380,7 +1380,7 @@
           <p:cNvPr id="5" name="日期占位符 4">
             <a:extLst>
               <a:ext uri="{FF2B5EF4-FFF2-40B4-BE49-F238E27FC236}">
-                <a16:creationId xmlns:a16="http://schemas.microsoft.com/office/drawing/2014/main" id="{52AAA7FD-5F70-8E4D-755F-7A436A582861}"/>
+                <a16:creationId xmlns:a16="http://schemas.microsoft.com/office/drawing/2014/main" id="{C69A3158-28DC-2C8F-BCC9-41838C8B7ADF}"/>
               </a:ext>
             </a:extLst>
           </p:cNvPr>
@@ -1396,7 +1396,7 @@
           <a:bodyPr/>
           <a:lstStyle/>
           <a:p>
-            <a:fld id="{C22708E2-6C81-4FCE-9B1D-068307ABBA38}" type="datetimeFigureOut">
+            <a:fld id="{5DA19C76-FA4B-479B-968A-E0310F4781AF}" type="datetimeFigureOut">
               <a:rPr lang="zh-CN" altLang="en-US" smtClean="0"/>
               <a:t>2024/3/10</a:t>
             </a:fld>
@@ -1409,7 +1409,7 @@
           <p:cNvPr id="6" name="页脚占位符 5">
             <a:extLst>
               <a:ext uri="{FF2B5EF4-FFF2-40B4-BE49-F238E27FC236}">
-                <a16:creationId xmlns:a16="http://schemas.microsoft.com/office/drawing/2014/main" id="{2018368C-922E-BC3E-1DD0-2E2E5C4E53AE}"/>
+                <a16:creationId xmlns:a16="http://schemas.microsoft.com/office/drawing/2014/main" id="{CB05726A-32D4-E4FE-EE60-40AFAA96399D}"/>
               </a:ext>
             </a:extLst>
           </p:cNvPr>
@@ -1434,7 +1434,7 @@
           <p:cNvPr id="7" name="灯片编号占位符 6">
             <a:extLst>
               <a:ext uri="{FF2B5EF4-FFF2-40B4-BE49-F238E27FC236}">
-                <a16:creationId xmlns:a16="http://schemas.microsoft.com/office/drawing/2014/main" id="{8E9CE43F-AEC7-7F86-3107-E431D01B20EE}"/>
+                <a16:creationId xmlns:a16="http://schemas.microsoft.com/office/drawing/2014/main" id="{6CC2168E-AD7E-1C4C-CA6F-5357CD88D69E}"/>
               </a:ext>
             </a:extLst>
           </p:cNvPr>
@@ -1450,7 +1450,7 @@
           <a:bodyPr/>
           <a:lstStyle/>
           <a:p>
-            <a:fld id="{D021D3D4-CDD7-485D-AD9A-9F98EEB62252}" type="slidenum">
+            <a:fld id="{2B09F79B-7441-471F-A016-8052DB77673C}" type="slidenum">
               <a:rPr lang="zh-CN" altLang="en-US" smtClean="0"/>
               <a:t>‹#›</a:t>
             </a:fld>
@@ -1461,7 +1461,7 @@
     </p:spTree>
     <p:extLst>
       <p:ext uri="{BB962C8B-B14F-4D97-AF65-F5344CB8AC3E}">
-        <p14:creationId xmlns:p14="http://schemas.microsoft.com/office/powerpoint/2010/main" val="2980543467"/>
+        <p14:creationId xmlns:p14="http://schemas.microsoft.com/office/powerpoint/2010/main" val="1036069049"/>
       </p:ext>
     </p:extLst>
   </p:cSld>
@@ -1493,7 +1493,7 @@
           <p:cNvPr id="2" name="标题 1">
             <a:extLst>
               <a:ext uri="{FF2B5EF4-FFF2-40B4-BE49-F238E27FC236}">
-                <a16:creationId xmlns:a16="http://schemas.microsoft.com/office/drawing/2014/main" id="{81A28E0B-AB8D-4219-E1D5-440BCD755A62}"/>
+                <a16:creationId xmlns:a16="http://schemas.microsoft.com/office/drawing/2014/main" id="{FF67512B-3703-AED3-A6D1-404F1B5DD1E6}"/>
               </a:ext>
             </a:extLst>
           </p:cNvPr>
@@ -1526,7 +1526,7 @@
           <p:cNvPr id="3" name="文本占位符 2">
             <a:extLst>
               <a:ext uri="{FF2B5EF4-FFF2-40B4-BE49-F238E27FC236}">
-                <a16:creationId xmlns:a16="http://schemas.microsoft.com/office/drawing/2014/main" id="{397F3E69-38E8-8F4A-E939-2F02E8F56E8F}"/>
+                <a16:creationId xmlns:a16="http://schemas.microsoft.com/office/drawing/2014/main" id="{22119051-C01B-3510-80F9-12938F0C122B}"/>
               </a:ext>
             </a:extLst>
           </p:cNvPr>
@@ -1597,7 +1597,7 @@
           <p:cNvPr id="4" name="内容占位符 3">
             <a:extLst>
               <a:ext uri="{FF2B5EF4-FFF2-40B4-BE49-F238E27FC236}">
-                <a16:creationId xmlns:a16="http://schemas.microsoft.com/office/drawing/2014/main" id="{E31ADA73-2AF9-9EF0-7591-F3FF13C584B8}"/>
+                <a16:creationId xmlns:a16="http://schemas.microsoft.com/office/drawing/2014/main" id="{63D8D5FB-6180-FBF8-16D8-975EAED42420}"/>
               </a:ext>
             </a:extLst>
           </p:cNvPr>
@@ -1659,7 +1659,7 @@
           <p:cNvPr id="5" name="文本占位符 4">
             <a:extLst>
               <a:ext uri="{FF2B5EF4-FFF2-40B4-BE49-F238E27FC236}">
-                <a16:creationId xmlns:a16="http://schemas.microsoft.com/office/drawing/2014/main" id="{6EFA1B7F-0CFD-384B-6673-B273F1001EF6}"/>
+                <a16:creationId xmlns:a16="http://schemas.microsoft.com/office/drawing/2014/main" id="{CC295D15-234B-2DD1-E88B-3345B28A0AA2}"/>
               </a:ext>
             </a:extLst>
           </p:cNvPr>
@@ -1730,7 +1730,7 @@
           <p:cNvPr id="6" name="内容占位符 5">
             <a:extLst>
               <a:ext uri="{FF2B5EF4-FFF2-40B4-BE49-F238E27FC236}">
-                <a16:creationId xmlns:a16="http://schemas.microsoft.com/office/drawing/2014/main" id="{D1A348E1-ACC7-12E4-8109-0EE00534629C}"/>
+                <a16:creationId xmlns:a16="http://schemas.microsoft.com/office/drawing/2014/main" id="{9A05F180-3F0D-2135-8C85-D78739DC07A8}"/>
               </a:ext>
             </a:extLst>
           </p:cNvPr>
@@ -1792,7 +1792,7 @@
           <p:cNvPr id="7" name="日期占位符 6">
             <a:extLst>
               <a:ext uri="{FF2B5EF4-FFF2-40B4-BE49-F238E27FC236}">
-                <a16:creationId xmlns:a16="http://schemas.microsoft.com/office/drawing/2014/main" id="{C3E5B464-37B0-8D57-A5F7-3847FD374A17}"/>
+                <a16:creationId xmlns:a16="http://schemas.microsoft.com/office/drawing/2014/main" id="{2E5948FB-1EFA-3D53-4D60-164E4A320A9B}"/>
               </a:ext>
             </a:extLst>
           </p:cNvPr>
@@ -1808,7 +1808,7 @@
           <a:bodyPr/>
           <a:lstStyle/>
           <a:p>
-            <a:fld id="{C22708E2-6C81-4FCE-9B1D-068307ABBA38}" type="datetimeFigureOut">
+            <a:fld id="{5DA19C76-FA4B-479B-968A-E0310F4781AF}" type="datetimeFigureOut">
               <a:rPr lang="zh-CN" altLang="en-US" smtClean="0"/>
               <a:t>2024/3/10</a:t>
             </a:fld>
@@ -1821,7 +1821,7 @@
           <p:cNvPr id="8" name="页脚占位符 7">
             <a:extLst>
               <a:ext uri="{FF2B5EF4-FFF2-40B4-BE49-F238E27FC236}">
-                <a16:creationId xmlns:a16="http://schemas.microsoft.com/office/drawing/2014/main" id="{84595E4E-10BD-999F-18BC-6F6CCDCB668B}"/>
+                <a16:creationId xmlns:a16="http://schemas.microsoft.com/office/drawing/2014/main" id="{DF710FCE-FB48-27E5-BA9B-78BAC9DA650F}"/>
               </a:ext>
             </a:extLst>
           </p:cNvPr>
@@ -1846,7 +1846,7 @@
           <p:cNvPr id="9" name="灯片编号占位符 8">
             <a:extLst>
               <a:ext uri="{FF2B5EF4-FFF2-40B4-BE49-F238E27FC236}">
-                <a16:creationId xmlns:a16="http://schemas.microsoft.com/office/drawing/2014/main" id="{BCCD437A-6B6B-51A6-C0DF-BE35A6FD8B66}"/>
+                <a16:creationId xmlns:a16="http://schemas.microsoft.com/office/drawing/2014/main" id="{8D585492-8135-8E9A-86C1-CBE4CA248678}"/>
               </a:ext>
             </a:extLst>
           </p:cNvPr>
@@ -1862,7 +1862,7 @@
           <a:bodyPr/>
           <a:lstStyle/>
           <a:p>
-            <a:fld id="{D021D3D4-CDD7-485D-AD9A-9F98EEB62252}" type="slidenum">
+            <a:fld id="{2B09F79B-7441-471F-A016-8052DB77673C}" type="slidenum">
               <a:rPr lang="zh-CN" altLang="en-US" smtClean="0"/>
               <a:t>‹#›</a:t>
             </a:fld>
@@ -1873,7 +1873,7 @@
     </p:spTree>
     <p:extLst>
       <p:ext uri="{BB962C8B-B14F-4D97-AF65-F5344CB8AC3E}">
-        <p14:creationId xmlns:p14="http://schemas.microsoft.com/office/powerpoint/2010/main" val="337478809"/>
+        <p14:creationId xmlns:p14="http://schemas.microsoft.com/office/powerpoint/2010/main" val="3217307254"/>
       </p:ext>
     </p:extLst>
   </p:cSld>
@@ -1905,7 +1905,7 @@
           <p:cNvPr id="2" name="标题 1">
             <a:extLst>
               <a:ext uri="{FF2B5EF4-FFF2-40B4-BE49-F238E27FC236}">
-                <a16:creationId xmlns:a16="http://schemas.microsoft.com/office/drawing/2014/main" id="{6D733DF9-9CEB-DF27-A835-E6E794FB4824}"/>
+                <a16:creationId xmlns:a16="http://schemas.microsoft.com/office/drawing/2014/main" id="{9DF62B67-B352-F8DA-38A2-550BF794DD8E}"/>
               </a:ext>
             </a:extLst>
           </p:cNvPr>
@@ -1933,7 +1933,7 @@
           <p:cNvPr id="3" name="日期占位符 2">
             <a:extLst>
               <a:ext uri="{FF2B5EF4-FFF2-40B4-BE49-F238E27FC236}">
-                <a16:creationId xmlns:a16="http://schemas.microsoft.com/office/drawing/2014/main" id="{D1B48BF5-FDD1-7720-2C4F-116D088F8E49}"/>
+                <a16:creationId xmlns:a16="http://schemas.microsoft.com/office/drawing/2014/main" id="{44CEC98E-A43F-C21F-C22D-D47B1EDDC04B}"/>
               </a:ext>
             </a:extLst>
           </p:cNvPr>
@@ -1949,7 +1949,7 @@
           <a:bodyPr/>
           <a:lstStyle/>
           <a:p>
-            <a:fld id="{C22708E2-6C81-4FCE-9B1D-068307ABBA38}" type="datetimeFigureOut">
+            <a:fld id="{5DA19C76-FA4B-479B-968A-E0310F4781AF}" type="datetimeFigureOut">
               <a:rPr lang="zh-CN" altLang="en-US" smtClean="0"/>
               <a:t>2024/3/10</a:t>
             </a:fld>
@@ -1962,7 +1962,7 @@
           <p:cNvPr id="4" name="页脚占位符 3">
             <a:extLst>
               <a:ext uri="{FF2B5EF4-FFF2-40B4-BE49-F238E27FC236}">
-                <a16:creationId xmlns:a16="http://schemas.microsoft.com/office/drawing/2014/main" id="{BCD31765-7F42-24E3-F443-771079C529EC}"/>
+                <a16:creationId xmlns:a16="http://schemas.microsoft.com/office/drawing/2014/main" id="{D3E8AAC6-6F0B-0E56-AC35-E04CADB010FD}"/>
               </a:ext>
             </a:extLst>
           </p:cNvPr>
@@ -1987,7 +1987,7 @@
           <p:cNvPr id="5" name="灯片编号占位符 4">
             <a:extLst>
               <a:ext uri="{FF2B5EF4-FFF2-40B4-BE49-F238E27FC236}">
-                <a16:creationId xmlns:a16="http://schemas.microsoft.com/office/drawing/2014/main" id="{DA26BDF0-8CF7-5F4B-478A-D3270678A305}"/>
+                <a16:creationId xmlns:a16="http://schemas.microsoft.com/office/drawing/2014/main" id="{222202BC-0BE4-37C4-BFAA-8AFAB0F48CEC}"/>
               </a:ext>
             </a:extLst>
           </p:cNvPr>
@@ -2003,7 +2003,7 @@
           <a:bodyPr/>
           <a:lstStyle/>
           <a:p>
-            <a:fld id="{D021D3D4-CDD7-485D-AD9A-9F98EEB62252}" type="slidenum">
+            <a:fld id="{2B09F79B-7441-471F-A016-8052DB77673C}" type="slidenum">
               <a:rPr lang="zh-CN" altLang="en-US" smtClean="0"/>
               <a:t>‹#›</a:t>
             </a:fld>
@@ -2014,7 +2014,7 @@
     </p:spTree>
     <p:extLst>
       <p:ext uri="{BB962C8B-B14F-4D97-AF65-F5344CB8AC3E}">
-        <p14:creationId xmlns:p14="http://schemas.microsoft.com/office/powerpoint/2010/main" val="1759336361"/>
+        <p14:creationId xmlns:p14="http://schemas.microsoft.com/office/powerpoint/2010/main" val="3463019522"/>
       </p:ext>
     </p:extLst>
   </p:cSld>
@@ -2046,7 +2046,7 @@
           <p:cNvPr id="2" name="日期占位符 1">
             <a:extLst>
               <a:ext uri="{FF2B5EF4-FFF2-40B4-BE49-F238E27FC236}">
-                <a16:creationId xmlns:a16="http://schemas.microsoft.com/office/drawing/2014/main" id="{7605160C-EFC6-D3E3-A4C1-2FB5CA2C07FD}"/>
+                <a16:creationId xmlns:a16="http://schemas.microsoft.com/office/drawing/2014/main" id="{026673E0-A242-9A2A-6B5E-71CCFFBB3F70}"/>
               </a:ext>
             </a:extLst>
           </p:cNvPr>
@@ -2062,7 +2062,7 @@
           <a:bodyPr/>
           <a:lstStyle/>
           <a:p>
-            <a:fld id="{C22708E2-6C81-4FCE-9B1D-068307ABBA38}" type="datetimeFigureOut">
+            <a:fld id="{5DA19C76-FA4B-479B-968A-E0310F4781AF}" type="datetimeFigureOut">
               <a:rPr lang="zh-CN" altLang="en-US" smtClean="0"/>
               <a:t>2024/3/10</a:t>
             </a:fld>
@@ -2075,7 +2075,7 @@
           <p:cNvPr id="3" name="页脚占位符 2">
             <a:extLst>
               <a:ext uri="{FF2B5EF4-FFF2-40B4-BE49-F238E27FC236}">
-                <a16:creationId xmlns:a16="http://schemas.microsoft.com/office/drawing/2014/main" id="{F89D813A-A378-C8D9-F7FB-D88EBD49E76B}"/>
+                <a16:creationId xmlns:a16="http://schemas.microsoft.com/office/drawing/2014/main" id="{23E0D8BE-B790-B4D2-343F-485F26622BF4}"/>
               </a:ext>
             </a:extLst>
           </p:cNvPr>
@@ -2100,7 +2100,7 @@
           <p:cNvPr id="4" name="灯片编号占位符 3">
             <a:extLst>
               <a:ext uri="{FF2B5EF4-FFF2-40B4-BE49-F238E27FC236}">
-                <a16:creationId xmlns:a16="http://schemas.microsoft.com/office/drawing/2014/main" id="{F7DCC15D-F49C-540B-BF44-B2EB1B3026B8}"/>
+                <a16:creationId xmlns:a16="http://schemas.microsoft.com/office/drawing/2014/main" id="{95ED12F9-A460-2C23-87A0-8F1906AF9894}"/>
               </a:ext>
             </a:extLst>
           </p:cNvPr>
@@ -2116,7 +2116,7 @@
           <a:bodyPr/>
           <a:lstStyle/>
           <a:p>
-            <a:fld id="{D021D3D4-CDD7-485D-AD9A-9F98EEB62252}" type="slidenum">
+            <a:fld id="{2B09F79B-7441-471F-A016-8052DB77673C}" type="slidenum">
               <a:rPr lang="zh-CN" altLang="en-US" smtClean="0"/>
               <a:t>‹#›</a:t>
             </a:fld>
@@ -2127,7 +2127,7 @@
     </p:spTree>
     <p:extLst>
       <p:ext uri="{BB962C8B-B14F-4D97-AF65-F5344CB8AC3E}">
-        <p14:creationId xmlns:p14="http://schemas.microsoft.com/office/powerpoint/2010/main" val="1667429644"/>
+        <p14:creationId xmlns:p14="http://schemas.microsoft.com/office/powerpoint/2010/main" val="1967344481"/>
       </p:ext>
     </p:extLst>
   </p:cSld>
@@ -2159,7 +2159,7 @@
           <p:cNvPr id="2" name="标题 1">
             <a:extLst>
               <a:ext uri="{FF2B5EF4-FFF2-40B4-BE49-F238E27FC236}">
-                <a16:creationId xmlns:a16="http://schemas.microsoft.com/office/drawing/2014/main" id="{E22CA85C-E7D8-8BDF-E903-300AAD0C1395}"/>
+                <a16:creationId xmlns:a16="http://schemas.microsoft.com/office/drawing/2014/main" id="{4FC7292F-092A-B2AC-2ADB-617A6CEE8F40}"/>
               </a:ext>
             </a:extLst>
           </p:cNvPr>
@@ -2196,7 +2196,7 @@
           <p:cNvPr id="3" name="内容占位符 2">
             <a:extLst>
               <a:ext uri="{FF2B5EF4-FFF2-40B4-BE49-F238E27FC236}">
-                <a16:creationId xmlns:a16="http://schemas.microsoft.com/office/drawing/2014/main" id="{A33E192F-FBA3-1ED6-0B00-5F4DDEED32C3}"/>
+                <a16:creationId xmlns:a16="http://schemas.microsoft.com/office/drawing/2014/main" id="{435C2F8D-8836-9E73-5D32-BCC9BF8DDF76}"/>
               </a:ext>
             </a:extLst>
           </p:cNvPr>
@@ -2286,7 +2286,7 @@
           <p:cNvPr id="4" name="文本占位符 3">
             <a:extLst>
               <a:ext uri="{FF2B5EF4-FFF2-40B4-BE49-F238E27FC236}">
-                <a16:creationId xmlns:a16="http://schemas.microsoft.com/office/drawing/2014/main" id="{D5FC58BE-1082-B608-BB70-7170FAD1F15F}"/>
+                <a16:creationId xmlns:a16="http://schemas.microsoft.com/office/drawing/2014/main" id="{D042873A-18EE-AFC1-2DDB-0C4B4E83BB38}"/>
               </a:ext>
             </a:extLst>
           </p:cNvPr>
@@ -2357,7 +2357,7 @@
           <p:cNvPr id="5" name="日期占位符 4">
             <a:extLst>
               <a:ext uri="{FF2B5EF4-FFF2-40B4-BE49-F238E27FC236}">
-                <a16:creationId xmlns:a16="http://schemas.microsoft.com/office/drawing/2014/main" id="{11866D2C-0903-5802-87C2-7E115471679B}"/>
+                <a16:creationId xmlns:a16="http://schemas.microsoft.com/office/drawing/2014/main" id="{03CB33DB-CB8F-FF5E-7C92-B33FE4EBEEAC}"/>
               </a:ext>
             </a:extLst>
           </p:cNvPr>
@@ -2373,7 +2373,7 @@
           <a:bodyPr/>
           <a:lstStyle/>
           <a:p>
-            <a:fld id="{C22708E2-6C81-4FCE-9B1D-068307ABBA38}" type="datetimeFigureOut">
+            <a:fld id="{5DA19C76-FA4B-479B-968A-E0310F4781AF}" type="datetimeFigureOut">
               <a:rPr lang="zh-CN" altLang="en-US" smtClean="0"/>
               <a:t>2024/3/10</a:t>
             </a:fld>
@@ -2386,7 +2386,7 @@
           <p:cNvPr id="6" name="页脚占位符 5">
             <a:extLst>
               <a:ext uri="{FF2B5EF4-FFF2-40B4-BE49-F238E27FC236}">
-                <a16:creationId xmlns:a16="http://schemas.microsoft.com/office/drawing/2014/main" id="{D127B9A1-E605-B9EA-CFE3-C3125A3A6783}"/>
+                <a16:creationId xmlns:a16="http://schemas.microsoft.com/office/drawing/2014/main" id="{7BC350ED-F4B2-DC62-DD43-DA877C413666}"/>
               </a:ext>
             </a:extLst>
           </p:cNvPr>
@@ -2411,7 +2411,7 @@
           <p:cNvPr id="7" name="灯片编号占位符 6">
             <a:extLst>
               <a:ext uri="{FF2B5EF4-FFF2-40B4-BE49-F238E27FC236}">
-                <a16:creationId xmlns:a16="http://schemas.microsoft.com/office/drawing/2014/main" id="{0EF267FC-0F4F-8634-FE91-8C3AC9939AB0}"/>
+                <a16:creationId xmlns:a16="http://schemas.microsoft.com/office/drawing/2014/main" id="{2F74491A-4CAC-20E9-5284-D510062AFAFC}"/>
               </a:ext>
             </a:extLst>
           </p:cNvPr>
@@ -2427,7 +2427,7 @@
           <a:bodyPr/>
           <a:lstStyle/>
           <a:p>
-            <a:fld id="{D021D3D4-CDD7-485D-AD9A-9F98EEB62252}" type="slidenum">
+            <a:fld id="{2B09F79B-7441-471F-A016-8052DB77673C}" type="slidenum">
               <a:rPr lang="zh-CN" altLang="en-US" smtClean="0"/>
               <a:t>‹#›</a:t>
             </a:fld>
@@ -2438,7 +2438,7 @@
     </p:spTree>
     <p:extLst>
       <p:ext uri="{BB962C8B-B14F-4D97-AF65-F5344CB8AC3E}">
-        <p14:creationId xmlns:p14="http://schemas.microsoft.com/office/powerpoint/2010/main" val="3300109139"/>
+        <p14:creationId xmlns:p14="http://schemas.microsoft.com/office/powerpoint/2010/main" val="796140044"/>
       </p:ext>
     </p:extLst>
   </p:cSld>
@@ -2470,7 +2470,7 @@
           <p:cNvPr id="2" name="标题 1">
             <a:extLst>
               <a:ext uri="{FF2B5EF4-FFF2-40B4-BE49-F238E27FC236}">
-                <a16:creationId xmlns:a16="http://schemas.microsoft.com/office/drawing/2014/main" id="{86F39DF6-7A55-4BDF-815F-7BD19BC5A70C}"/>
+                <a16:creationId xmlns:a16="http://schemas.microsoft.com/office/drawing/2014/main" id="{F7D77299-6D4F-BDB0-4067-FD0A3284DF89}"/>
               </a:ext>
             </a:extLst>
           </p:cNvPr>
@@ -2507,7 +2507,7 @@
           <p:cNvPr id="3" name="图片占位符 2">
             <a:extLst>
               <a:ext uri="{FF2B5EF4-FFF2-40B4-BE49-F238E27FC236}">
-                <a16:creationId xmlns:a16="http://schemas.microsoft.com/office/drawing/2014/main" id="{FE3A7E8B-B220-482B-34D3-4A179E2C7689}"/>
+                <a16:creationId xmlns:a16="http://schemas.microsoft.com/office/drawing/2014/main" id="{938BFB03-C0CA-407F-3550-D5D030961043}"/>
               </a:ext>
             </a:extLst>
           </p:cNvPr>
@@ -2574,7 +2574,7 @@
           <p:cNvPr id="4" name="文本占位符 3">
             <a:extLst>
               <a:ext uri="{FF2B5EF4-FFF2-40B4-BE49-F238E27FC236}">
-                <a16:creationId xmlns:a16="http://schemas.microsoft.com/office/drawing/2014/main" id="{F9A9092B-F050-8742-C4CB-1B395BF6C75B}"/>
+                <a16:creationId xmlns:a16="http://schemas.microsoft.com/office/drawing/2014/main" id="{290DC30B-98BE-16FF-61C5-BD2BF22DBDAE}"/>
               </a:ext>
             </a:extLst>
           </p:cNvPr>
@@ -2645,7 +2645,7 @@
           <p:cNvPr id="5" name="日期占位符 4">
             <a:extLst>
               <a:ext uri="{FF2B5EF4-FFF2-40B4-BE49-F238E27FC236}">
-                <a16:creationId xmlns:a16="http://schemas.microsoft.com/office/drawing/2014/main" id="{63699DA0-38E4-237C-36C8-4806866AA92A}"/>
+                <a16:creationId xmlns:a16="http://schemas.microsoft.com/office/drawing/2014/main" id="{6013D604-0FB5-6947-275F-6955445935CC}"/>
               </a:ext>
             </a:extLst>
           </p:cNvPr>
@@ -2661,7 +2661,7 @@
           <a:bodyPr/>
           <a:lstStyle/>
           <a:p>
-            <a:fld id="{C22708E2-6C81-4FCE-9B1D-068307ABBA38}" type="datetimeFigureOut">
+            <a:fld id="{5DA19C76-FA4B-479B-968A-E0310F4781AF}" type="datetimeFigureOut">
               <a:rPr lang="zh-CN" altLang="en-US" smtClean="0"/>
               <a:t>2024/3/10</a:t>
             </a:fld>
@@ -2674,7 +2674,7 @@
           <p:cNvPr id="6" name="页脚占位符 5">
             <a:extLst>
               <a:ext uri="{FF2B5EF4-FFF2-40B4-BE49-F238E27FC236}">
-                <a16:creationId xmlns:a16="http://schemas.microsoft.com/office/drawing/2014/main" id="{91897302-EC81-0160-9D91-18A9D14DB9D8}"/>
+                <a16:creationId xmlns:a16="http://schemas.microsoft.com/office/drawing/2014/main" id="{3C96B5C8-B593-8AD8-F02A-0ACB1F98403A}"/>
               </a:ext>
             </a:extLst>
           </p:cNvPr>
@@ -2699,7 +2699,7 @@
           <p:cNvPr id="7" name="灯片编号占位符 6">
             <a:extLst>
               <a:ext uri="{FF2B5EF4-FFF2-40B4-BE49-F238E27FC236}">
-                <a16:creationId xmlns:a16="http://schemas.microsoft.com/office/drawing/2014/main" id="{F0521159-3801-D98A-B8F0-0D1402CC1AA6}"/>
+                <a16:creationId xmlns:a16="http://schemas.microsoft.com/office/drawing/2014/main" id="{9D2A7E6A-19EE-F61E-83A7-FA02BF6D15C5}"/>
               </a:ext>
             </a:extLst>
           </p:cNvPr>
@@ -2715,7 +2715,7 @@
           <a:bodyPr/>
           <a:lstStyle/>
           <a:p>
-            <a:fld id="{D021D3D4-CDD7-485D-AD9A-9F98EEB62252}" type="slidenum">
+            <a:fld id="{2B09F79B-7441-471F-A016-8052DB77673C}" type="slidenum">
               <a:rPr lang="zh-CN" altLang="en-US" smtClean="0"/>
               <a:t>‹#›</a:t>
             </a:fld>
@@ -2726,7 +2726,7 @@
     </p:spTree>
     <p:extLst>
       <p:ext uri="{BB962C8B-B14F-4D97-AF65-F5344CB8AC3E}">
-        <p14:creationId xmlns:p14="http://schemas.microsoft.com/office/powerpoint/2010/main" val="3670959088"/>
+        <p14:creationId xmlns:p14="http://schemas.microsoft.com/office/powerpoint/2010/main" val="3511117838"/>
       </p:ext>
     </p:extLst>
   </p:cSld>
@@ -2763,7 +2763,7 @@
           <p:cNvPr id="2" name="标题占位符 1">
             <a:extLst>
               <a:ext uri="{FF2B5EF4-FFF2-40B4-BE49-F238E27FC236}">
-                <a16:creationId xmlns:a16="http://schemas.microsoft.com/office/drawing/2014/main" id="{5A049AA0-82AA-7DF7-8B29-F78516D5D3EA}"/>
+                <a16:creationId xmlns:a16="http://schemas.microsoft.com/office/drawing/2014/main" id="{100484E8-7684-8E90-A3A4-C44C32F87EFA}"/>
               </a:ext>
             </a:extLst>
           </p:cNvPr>
@@ -2801,7 +2801,7 @@
           <p:cNvPr id="3" name="文本占位符 2">
             <a:extLst>
               <a:ext uri="{FF2B5EF4-FFF2-40B4-BE49-F238E27FC236}">
-                <a16:creationId xmlns:a16="http://schemas.microsoft.com/office/drawing/2014/main" id="{442E7E89-5FED-7746-AD52-89410C57203F}"/>
+                <a16:creationId xmlns:a16="http://schemas.microsoft.com/office/drawing/2014/main" id="{379EB8BB-804C-3470-0388-EFC774E017F8}"/>
               </a:ext>
             </a:extLst>
           </p:cNvPr>
@@ -2868,7 +2868,7 @@
           <p:cNvPr id="4" name="日期占位符 3">
             <a:extLst>
               <a:ext uri="{FF2B5EF4-FFF2-40B4-BE49-F238E27FC236}">
-                <a16:creationId xmlns:a16="http://schemas.microsoft.com/office/drawing/2014/main" id="{751DB1E6-FC4E-D38A-2B90-3E451DB5C8B4}"/>
+                <a16:creationId xmlns:a16="http://schemas.microsoft.com/office/drawing/2014/main" id="{2F8DDF40-4B44-7DB4-ACE7-F5D4FAD70F5F}"/>
               </a:ext>
             </a:extLst>
           </p:cNvPr>
@@ -2902,7 +2902,7 @@
             </a:lvl1pPr>
           </a:lstStyle>
           <a:p>
-            <a:fld id="{C22708E2-6C81-4FCE-9B1D-068307ABBA38}" type="datetimeFigureOut">
+            <a:fld id="{5DA19C76-FA4B-479B-968A-E0310F4781AF}" type="datetimeFigureOut">
               <a:rPr lang="zh-CN" altLang="en-US" smtClean="0"/>
               <a:t>2024/3/10</a:t>
             </a:fld>
@@ -2915,7 +2915,7 @@
           <p:cNvPr id="5" name="页脚占位符 4">
             <a:extLst>
               <a:ext uri="{FF2B5EF4-FFF2-40B4-BE49-F238E27FC236}">
-                <a16:creationId xmlns:a16="http://schemas.microsoft.com/office/drawing/2014/main" id="{0F438210-0863-DBC7-2AFC-C28BA2DF40F5}"/>
+                <a16:creationId xmlns:a16="http://schemas.microsoft.com/office/drawing/2014/main" id="{448F6F29-5FF5-B410-1BAB-54AFC83CD1B0}"/>
               </a:ext>
             </a:extLst>
           </p:cNvPr>
@@ -2958,7 +2958,7 @@
           <p:cNvPr id="6" name="灯片编号占位符 5">
             <a:extLst>
               <a:ext uri="{FF2B5EF4-FFF2-40B4-BE49-F238E27FC236}">
-                <a16:creationId xmlns:a16="http://schemas.microsoft.com/office/drawing/2014/main" id="{47163146-B910-673C-DAEA-771960708515}"/>
+                <a16:creationId xmlns:a16="http://schemas.microsoft.com/office/drawing/2014/main" id="{9FA80785-8F11-988B-60EB-701281A4965D}"/>
               </a:ext>
             </a:extLst>
           </p:cNvPr>
@@ -2992,7 +2992,7 @@
             </a:lvl1pPr>
           </a:lstStyle>
           <a:p>
-            <a:fld id="{D021D3D4-CDD7-485D-AD9A-9F98EEB62252}" type="slidenum">
+            <a:fld id="{2B09F79B-7441-471F-A016-8052DB77673C}" type="slidenum">
               <a:rPr lang="zh-CN" altLang="en-US" smtClean="0"/>
               <a:t>‹#›</a:t>
             </a:fld>
@@ -3003,7 +3003,7 @@
     </p:spTree>
     <p:extLst>
       <p:ext uri="{BB962C8B-B14F-4D97-AF65-F5344CB8AC3E}">
-        <p14:creationId xmlns:p14="http://schemas.microsoft.com/office/powerpoint/2010/main" val="29840613"/>
+        <p14:creationId xmlns:p14="http://schemas.microsoft.com/office/powerpoint/2010/main" val="3525142096"/>
       </p:ext>
     </p:extLst>
   </p:cSld>
